--- a/Presentations/【Presentation】A Unified Conditional Framework for Diffusion-based Image Restoration.pptx
+++ b/Presentations/【Presentation】A Unified Conditional Framework for Diffusion-based Image Restoration.pptx
@@ -267,7 +267,7 @@
           <a:p>
             <a:fld id="{B2EC8A9D-6E5A-4BEA-AC6C-0EB8BF8CE9F0}" type="datetimeFigureOut">
               <a:rPr lang="zh-CN" altLang="en-US" smtClean="0"/>
-              <a:t>2024/5/5</a:t>
+              <a:t>2024/6/16</a:t>
             </a:fld>
             <a:endParaRPr lang="zh-CN" altLang="en-US"/>
           </a:p>
@@ -465,7 +465,7 @@
           <a:p>
             <a:fld id="{B2EC8A9D-6E5A-4BEA-AC6C-0EB8BF8CE9F0}" type="datetimeFigureOut">
               <a:rPr lang="zh-CN" altLang="en-US" smtClean="0"/>
-              <a:t>2024/5/5</a:t>
+              <a:t>2024/6/16</a:t>
             </a:fld>
             <a:endParaRPr lang="zh-CN" altLang="en-US"/>
           </a:p>
@@ -673,7 +673,7 @@
           <a:p>
             <a:fld id="{B2EC8A9D-6E5A-4BEA-AC6C-0EB8BF8CE9F0}" type="datetimeFigureOut">
               <a:rPr lang="zh-CN" altLang="en-US" smtClean="0"/>
-              <a:t>2024/5/5</a:t>
+              <a:t>2024/6/16</a:t>
             </a:fld>
             <a:endParaRPr lang="zh-CN" altLang="en-US"/>
           </a:p>
@@ -871,7 +871,7 @@
           <a:p>
             <a:fld id="{B2EC8A9D-6E5A-4BEA-AC6C-0EB8BF8CE9F0}" type="datetimeFigureOut">
               <a:rPr lang="zh-CN" altLang="en-US" smtClean="0"/>
-              <a:t>2024/5/5</a:t>
+              <a:t>2024/6/16</a:t>
             </a:fld>
             <a:endParaRPr lang="zh-CN" altLang="en-US"/>
           </a:p>
@@ -1146,7 +1146,7 @@
           <a:p>
             <a:fld id="{B2EC8A9D-6E5A-4BEA-AC6C-0EB8BF8CE9F0}" type="datetimeFigureOut">
               <a:rPr lang="zh-CN" altLang="en-US" smtClean="0"/>
-              <a:t>2024/5/5</a:t>
+              <a:t>2024/6/16</a:t>
             </a:fld>
             <a:endParaRPr lang="zh-CN" altLang="en-US"/>
           </a:p>
@@ -1411,7 +1411,7 @@
           <a:p>
             <a:fld id="{B2EC8A9D-6E5A-4BEA-AC6C-0EB8BF8CE9F0}" type="datetimeFigureOut">
               <a:rPr lang="zh-CN" altLang="en-US" smtClean="0"/>
-              <a:t>2024/5/5</a:t>
+              <a:t>2024/6/16</a:t>
             </a:fld>
             <a:endParaRPr lang="zh-CN" altLang="en-US"/>
           </a:p>
@@ -1823,7 +1823,7 @@
           <a:p>
             <a:fld id="{B2EC8A9D-6E5A-4BEA-AC6C-0EB8BF8CE9F0}" type="datetimeFigureOut">
               <a:rPr lang="zh-CN" altLang="en-US" smtClean="0"/>
-              <a:t>2024/5/5</a:t>
+              <a:t>2024/6/16</a:t>
             </a:fld>
             <a:endParaRPr lang="zh-CN" altLang="en-US"/>
           </a:p>
@@ -1964,7 +1964,7 @@
           <a:p>
             <a:fld id="{B2EC8A9D-6E5A-4BEA-AC6C-0EB8BF8CE9F0}" type="datetimeFigureOut">
               <a:rPr lang="zh-CN" altLang="en-US" smtClean="0"/>
-              <a:t>2024/5/5</a:t>
+              <a:t>2024/6/16</a:t>
             </a:fld>
             <a:endParaRPr lang="zh-CN" altLang="en-US"/>
           </a:p>
@@ -2077,7 +2077,7 @@
           <a:p>
             <a:fld id="{B2EC8A9D-6E5A-4BEA-AC6C-0EB8BF8CE9F0}" type="datetimeFigureOut">
               <a:rPr lang="zh-CN" altLang="en-US" smtClean="0"/>
-              <a:t>2024/5/5</a:t>
+              <a:t>2024/6/16</a:t>
             </a:fld>
             <a:endParaRPr lang="zh-CN" altLang="en-US"/>
           </a:p>
@@ -2388,7 +2388,7 @@
           <a:p>
             <a:fld id="{B2EC8A9D-6E5A-4BEA-AC6C-0EB8BF8CE9F0}" type="datetimeFigureOut">
               <a:rPr lang="zh-CN" altLang="en-US" smtClean="0"/>
-              <a:t>2024/5/5</a:t>
+              <a:t>2024/6/16</a:t>
             </a:fld>
             <a:endParaRPr lang="zh-CN" altLang="en-US"/>
           </a:p>
@@ -2676,7 +2676,7 @@
           <a:p>
             <a:fld id="{B2EC8A9D-6E5A-4BEA-AC6C-0EB8BF8CE9F0}" type="datetimeFigureOut">
               <a:rPr lang="zh-CN" altLang="en-US" smtClean="0"/>
-              <a:t>2024/5/5</a:t>
+              <a:t>2024/6/16</a:t>
             </a:fld>
             <a:endParaRPr lang="zh-CN" altLang="en-US"/>
           </a:p>
@@ -2917,7 +2917,7 @@
           <a:p>
             <a:fld id="{B2EC8A9D-6E5A-4BEA-AC6C-0EB8BF8CE9F0}" type="datetimeFigureOut">
               <a:rPr lang="zh-CN" altLang="en-US" smtClean="0"/>
-              <a:t>2024/5/5</a:t>
+              <a:t>2024/6/16</a:t>
             </a:fld>
             <a:endParaRPr lang="zh-CN" altLang="en-US"/>
           </a:p>
@@ -3391,33 +3391,28 @@
           <a:p>
             <a:r>
               <a:rPr lang="en-US" altLang="zh-CN" dirty="0"/>
-              <a:t>Presenter: Chen </a:t>
-            </a:r>
-            <a:r>
-              <a:rPr lang="en-US" altLang="zh-CN" dirty="0" err="1"/>
-              <a:t>Zhenyuan</a:t>
-            </a:r>
+              <a:t>Presenter: </a:t>
+            </a:r>
+            <a:r>
+              <a:rPr lang="en-US" altLang="zh-CN" dirty="0" smtClean="0"/>
+              <a:t>Sakura</a:t>
+            </a:r>
+            <a:endParaRPr lang="en-US" altLang="zh-CN" dirty="0"/>
+          </a:p>
+          <a:p>
             <a:r>
               <a:rPr lang="en-US" altLang="zh-CN" dirty="0"/>
-              <a:t> </a:t>
-            </a:r>
-          </a:p>
-          <a:p>
-            <a:r>
-              <a:rPr lang="en-US" altLang="zh-CN" dirty="0"/>
-              <a:t>Department: School of Earth Science, Zhejiang University</a:t>
-            </a:r>
-          </a:p>
-          <a:p>
-            <a:r>
-              <a:rPr lang="en-US" altLang="zh-CN" dirty="0"/>
-              <a:t>Date</a:t>
+              <a:t>Department: School of Earth Science, </a:t>
             </a:r>
             <a:r>
               <a:rPr lang="en-US" altLang="zh-CN"/>
-              <a:t>: 2024</a:t>
-            </a:r>
-            <a:endParaRPr lang="zh-CN" altLang="en-US" dirty="0"/>
+              <a:t>Zhejiang </a:t>
+            </a:r>
+            <a:r>
+              <a:rPr lang="en-US" altLang="zh-CN" smtClean="0"/>
+              <a:t>University</a:t>
+            </a:r>
+            <a:endParaRPr lang="en-US" altLang="zh-CN" dirty="0"/>
           </a:p>
         </p:txBody>
       </p:sp>
@@ -5801,6 +5796,13 @@
           </a:p>
           <a:p>
             <a:pPr algn="l"/>
+            <a:r>
+              <a:rPr lang="en-US" altLang="zh-CN" dirty="0">
+                <a:latin typeface="Arial" panose="020B0604020202020204" pitchFamily="34" charset="0"/>
+                <a:cs typeface="Arial" panose="020B0604020202020204" pitchFamily="34" charset="0"/>
+              </a:rPr>
+              <a:t/>
+            </a:r>
             <a:br>
               <a:rPr lang="en-US" altLang="zh-CN" dirty="0">
                 <a:latin typeface="Arial" panose="020B0604020202020204" pitchFamily="34" charset="0"/>
